--- a/01.Blockchain Introduction/01.Blockchain-Introduction-Presentation.pptx
+++ b/01.Blockchain Introduction/01.Blockchain-Introduction-Presentation.pptx
@@ -6720,6 +6720,16 @@
               <a:buChar char="§"/>
             </a:pPr>
             <a:r>
+              <a:rPr lang="en-GB" b="1" dirty="0" smtClean="0">
+                <a:solidFill>
+                  <a:schemeClr val="accent1">
+                    <a:lumMod val="50000"/>
+                  </a:schemeClr>
+                </a:solidFill>
+              </a:rPr>
+              <a:t>Big database</a:t>
+            </a:r>
+            <a:r>
               <a:rPr lang="en-GB" dirty="0" smtClean="0">
                 <a:solidFill>
                   <a:schemeClr val="accent1">
@@ -6727,7 +6737,17 @@
                   </a:schemeClr>
                 </a:solidFill>
               </a:rPr>
-              <a:t>Big database for recording information</a:t>
+              <a:t> for </a:t>
+            </a:r>
+            <a:r>
+              <a:rPr lang="en-GB" b="1" dirty="0" smtClean="0">
+                <a:solidFill>
+                  <a:schemeClr val="accent1">
+                    <a:lumMod val="50000"/>
+                  </a:schemeClr>
+                </a:solidFill>
+              </a:rPr>
+              <a:t>recording information</a:t>
             </a:r>
           </a:p>
           <a:p>
@@ -6735,6 +6755,16 @@
               <a:buFont typeface="Wingdings" panose="05000000000000000000" pitchFamily="2" charset="2"/>
               <a:buChar char="§"/>
             </a:pPr>
+            <a:r>
+              <a:rPr lang="en-GB" b="1" dirty="0" smtClean="0">
+                <a:solidFill>
+                  <a:schemeClr val="accent1">
+                    <a:lumMod val="50000"/>
+                  </a:schemeClr>
+                </a:solidFill>
+              </a:rPr>
+              <a:t>No need to trust </a:t>
+            </a:r>
             <a:r>
               <a:rPr lang="en-GB" dirty="0" smtClean="0">
                 <a:solidFill>
@@ -6743,7 +6773,7 @@
                   </a:schemeClr>
                 </a:solidFill>
               </a:rPr>
-              <a:t>No need to trust anyone</a:t>
+              <a:t>anyone</a:t>
             </a:r>
             <a:endParaRPr lang="en-GB" dirty="0">
               <a:solidFill>
@@ -6759,6 +6789,16 @@
               <a:buChar char="§"/>
             </a:pPr>
             <a:r>
+              <a:rPr lang="en-GB" b="1" dirty="0" smtClean="0">
+                <a:solidFill>
+                  <a:schemeClr val="accent1">
+                    <a:lumMod val="50000"/>
+                  </a:schemeClr>
+                </a:solidFill>
+              </a:rPr>
+              <a:t>Decentralized</a:t>
+            </a:r>
+            <a:r>
               <a:rPr lang="en-GB" dirty="0" smtClean="0">
                 <a:solidFill>
                   <a:schemeClr val="accent1">
@@ -6766,7 +6806,7 @@
                   </a:schemeClr>
                 </a:solidFill>
               </a:rPr>
-              <a:t>Decentralized (doesn’t have a central point)</a:t>
+              <a:t> (doesn’t have a central point)</a:t>
             </a:r>
           </a:p>
           <a:p>
@@ -6774,6 +6814,16 @@
               <a:buFont typeface="Wingdings" panose="05000000000000000000" pitchFamily="2" charset="2"/>
               <a:buChar char="§"/>
             </a:pPr>
+            <a:r>
+              <a:rPr lang="en-GB" b="1" dirty="0">
+                <a:solidFill>
+                  <a:schemeClr val="accent1">
+                    <a:lumMod val="50000"/>
+                  </a:schemeClr>
+                </a:solidFill>
+              </a:rPr>
+              <a:t>P2P</a:t>
+            </a:r>
             <a:r>
               <a:rPr lang="en-GB" dirty="0">
                 <a:solidFill>
@@ -6782,7 +6832,7 @@
                   </a:schemeClr>
                 </a:solidFill>
               </a:rPr>
-              <a:t>P2P </a:t>
+              <a:t> </a:t>
             </a:r>
             <a:r>
               <a:rPr lang="en-GB" dirty="0" smtClean="0">
@@ -7303,14 +7353,18 @@
                   </a:schemeClr>
                 </a:solidFill>
               </a:rPr>
-              <a:t>The information is packed into blocks which form a chain</a:t>
-            </a:r>
-          </a:p>
-          <a:p>
-            <a:pPr>
-              <a:buFont typeface="Wingdings" panose="05000000000000000000" pitchFamily="2" charset="2"/>
-              <a:buChar char="§"/>
-            </a:pPr>
+              <a:t>The information is packed into </a:t>
+            </a:r>
+            <a:r>
+              <a:rPr lang="en-GB" b="1" dirty="0" smtClean="0">
+                <a:solidFill>
+                  <a:schemeClr val="accent1">
+                    <a:lumMod val="50000"/>
+                  </a:schemeClr>
+                </a:solidFill>
+              </a:rPr>
+              <a:t>blocks</a:t>
+            </a:r>
             <a:r>
               <a:rPr lang="en-GB" dirty="0" smtClean="0">
                 <a:solidFill>
@@ -7319,7 +7373,63 @@
                   </a:schemeClr>
                 </a:solidFill>
               </a:rPr>
-              <a:t>All the information is encrypted and cannot be reversed</a:t>
+              <a:t> which form a </a:t>
+            </a:r>
+            <a:r>
+              <a:rPr lang="en-GB" b="1" dirty="0" smtClean="0">
+                <a:solidFill>
+                  <a:schemeClr val="accent1">
+                    <a:lumMod val="50000"/>
+                  </a:schemeClr>
+                </a:solidFill>
+              </a:rPr>
+              <a:t>chain</a:t>
+            </a:r>
+          </a:p>
+          <a:p>
+            <a:pPr>
+              <a:buFont typeface="Wingdings" panose="05000000000000000000" pitchFamily="2" charset="2"/>
+              <a:buChar char="§"/>
+            </a:pPr>
+            <a:r>
+              <a:rPr lang="en-GB" dirty="0" smtClean="0">
+                <a:solidFill>
+                  <a:schemeClr val="accent1">
+                    <a:lumMod val="50000"/>
+                  </a:schemeClr>
+                </a:solidFill>
+              </a:rPr>
+              <a:t>All the information is </a:t>
+            </a:r>
+            <a:r>
+              <a:rPr lang="en-GB" b="1" dirty="0" smtClean="0">
+                <a:solidFill>
+                  <a:schemeClr val="accent1">
+                    <a:lumMod val="50000"/>
+                  </a:schemeClr>
+                </a:solidFill>
+              </a:rPr>
+              <a:t>encrypted</a:t>
+            </a:r>
+            <a:r>
+              <a:rPr lang="en-GB" dirty="0" smtClean="0">
+                <a:solidFill>
+                  <a:schemeClr val="accent1">
+                    <a:lumMod val="50000"/>
+                  </a:schemeClr>
+                </a:solidFill>
+              </a:rPr>
+              <a:t> and </a:t>
+            </a:r>
+            <a:r>
+              <a:rPr lang="en-GB" b="1" dirty="0" smtClean="0">
+                <a:solidFill>
+                  <a:schemeClr val="accent1">
+                    <a:lumMod val="50000"/>
+                  </a:schemeClr>
+                </a:solidFill>
+              </a:rPr>
+              <a:t>cannot be reversed</a:t>
             </a:r>
           </a:p>
         </p:txBody>
@@ -7797,7 +7907,7 @@
               <a:buChar char="§"/>
             </a:pPr>
             <a:r>
-              <a:rPr lang="en-GB" sz="2800" dirty="0" smtClean="0">
+              <a:rPr lang="en-GB" sz="2800" b="1" dirty="0" smtClean="0">
                 <a:solidFill>
                   <a:schemeClr val="accent1">
                     <a:lumMod val="50000"/>
@@ -7813,6 +7923,125 @@
               <a:buChar char="§"/>
             </a:pPr>
             <a:r>
+              <a:rPr lang="en-GB" sz="2400" b="1" dirty="0" smtClean="0">
+                <a:solidFill>
+                  <a:schemeClr val="accent1">
+                    <a:lumMod val="50000"/>
+                  </a:schemeClr>
+                </a:solidFill>
+              </a:rPr>
+              <a:t>Digital Currencies</a:t>
+            </a:r>
+          </a:p>
+          <a:p>
+            <a:pPr marL="457200" indent="-457200">
+              <a:buFont typeface="Wingdings" panose="05000000000000000000" pitchFamily="2" charset="2"/>
+              <a:buChar char="§"/>
+            </a:pPr>
+            <a:r>
+              <a:rPr lang="en-GB" sz="2800" b="1" dirty="0" smtClean="0">
+                <a:solidFill>
+                  <a:schemeClr val="accent1">
+                    <a:lumMod val="50000"/>
+                  </a:schemeClr>
+                </a:solidFill>
+              </a:rPr>
+              <a:t>Types of Cryptocurrencie</a:t>
+            </a:r>
+            <a:r>
+              <a:rPr lang="en-GB" sz="2800" b="1" dirty="0">
+                <a:solidFill>
+                  <a:schemeClr val="accent1">
+                    <a:lumMod val="50000"/>
+                  </a:schemeClr>
+                </a:solidFill>
+              </a:rPr>
+              <a:t>s</a:t>
+            </a:r>
+            <a:endParaRPr lang="en-GB" sz="2800" b="1" dirty="0" smtClean="0">
+              <a:solidFill>
+                <a:schemeClr val="accent1">
+                  <a:lumMod val="50000"/>
+                </a:schemeClr>
+              </a:solidFill>
+            </a:endParaRPr>
+          </a:p>
+          <a:p>
+            <a:pPr marL="914400" lvl="1" indent="-457200">
+              <a:buFont typeface="Wingdings" panose="05000000000000000000" pitchFamily="2" charset="2"/>
+              <a:buChar char="§"/>
+            </a:pPr>
+            <a:r>
+              <a:rPr lang="en-GB" sz="2400" dirty="0">
+                <a:solidFill>
+                  <a:schemeClr val="accent1">
+                    <a:lumMod val="50000"/>
+                  </a:schemeClr>
+                </a:solidFill>
+              </a:rPr>
+              <a:t>5 most popular – </a:t>
+            </a:r>
+            <a:r>
+              <a:rPr lang="en-GB" sz="2400" b="1" dirty="0">
+                <a:solidFill>
+                  <a:schemeClr val="accent1">
+                    <a:lumMod val="50000"/>
+                  </a:schemeClr>
+                </a:solidFill>
+              </a:rPr>
+              <a:t>Bitcoin</a:t>
+            </a:r>
+            <a:r>
+              <a:rPr lang="en-GB" sz="2400" dirty="0">
+                <a:solidFill>
+                  <a:schemeClr val="accent1">
+                    <a:lumMod val="50000"/>
+                  </a:schemeClr>
+                </a:solidFill>
+              </a:rPr>
+              <a:t>, </a:t>
+            </a:r>
+            <a:r>
+              <a:rPr lang="en-GB" sz="2400" b="1" dirty="0">
+                <a:solidFill>
+                  <a:schemeClr val="accent1">
+                    <a:lumMod val="50000"/>
+                  </a:schemeClr>
+                </a:solidFill>
+              </a:rPr>
+              <a:t>Ethereum</a:t>
+            </a:r>
+            <a:r>
+              <a:rPr lang="en-GB" sz="2400" dirty="0">
+                <a:solidFill>
+                  <a:schemeClr val="accent1">
+                    <a:lumMod val="50000"/>
+                  </a:schemeClr>
+                </a:solidFill>
+              </a:rPr>
+              <a:t>, </a:t>
+            </a:r>
+            <a:r>
+              <a:rPr lang="en-GB" sz="2400" b="1" dirty="0">
+                <a:solidFill>
+                  <a:schemeClr val="accent1">
+                    <a:lumMod val="50000"/>
+                  </a:schemeClr>
+                </a:solidFill>
+              </a:rPr>
+              <a:t>LiteCoin</a:t>
+            </a:r>
+            <a:r>
+              <a:rPr lang="en-GB" sz="2400" dirty="0">
+                <a:solidFill>
+                  <a:schemeClr val="accent1">
+                    <a:lumMod val="50000"/>
+                  </a:schemeClr>
+                </a:solidFill>
+              </a:rPr>
+              <a:t>, </a:t>
+            </a:r>
+            <a:r>
               <a:rPr lang="en-GB" sz="2400" dirty="0" smtClean="0">
                 <a:solidFill>
                   <a:schemeClr val="accent1">
@@ -7820,67 +8049,18 @@
                   </a:schemeClr>
                 </a:solidFill>
               </a:rPr>
-              <a:t>Digital Currencies</a:t>
-            </a:r>
-          </a:p>
-          <a:p>
-            <a:pPr marL="457200" indent="-457200">
-              <a:buFont typeface="Wingdings" panose="05000000000000000000" pitchFamily="2" charset="2"/>
-              <a:buChar char="§"/>
-            </a:pPr>
-            <a:r>
-              <a:rPr lang="en-GB" sz="2800" dirty="0" smtClean="0">
+              <a:t>             </a:t>
+            </a:r>
+            <a:r>
+              <a:rPr lang="en-GB" sz="2400" b="1" dirty="0" smtClean="0">
                 <a:solidFill>
                   <a:schemeClr val="accent1">
                     <a:lumMod val="50000"/>
                   </a:schemeClr>
                 </a:solidFill>
               </a:rPr>
-              <a:t>Types </a:t>
-            </a:r>
-            <a:r>
-              <a:rPr lang="en-GB" sz="2800" dirty="0" smtClean="0">
-                <a:solidFill>
-                  <a:schemeClr val="accent1">
-                    <a:lumMod val="50000"/>
-                  </a:schemeClr>
-                </a:solidFill>
-              </a:rPr>
-              <a:t>of </a:t>
-            </a:r>
-            <a:r>
-              <a:rPr lang="en-GB" sz="2800" dirty="0" smtClean="0">
-                <a:solidFill>
-                  <a:schemeClr val="accent1">
-                    <a:lumMod val="50000"/>
-                  </a:schemeClr>
-                </a:solidFill>
-              </a:rPr>
-              <a:t>Cryptocurrencie</a:t>
-            </a:r>
-            <a:r>
-              <a:rPr lang="en-GB" sz="2800" dirty="0">
-                <a:solidFill>
-                  <a:schemeClr val="accent1">
-                    <a:lumMod val="50000"/>
-                  </a:schemeClr>
-                </a:solidFill>
-              </a:rPr>
-              <a:t>s</a:t>
-            </a:r>
-            <a:endParaRPr lang="en-GB" sz="2800" dirty="0" smtClean="0">
-              <a:solidFill>
-                <a:schemeClr val="accent1">
-                  <a:lumMod val="50000"/>
-                </a:schemeClr>
-              </a:solidFill>
-            </a:endParaRPr>
-          </a:p>
-          <a:p>
-            <a:pPr marL="914400" lvl="1" indent="-457200">
-              <a:buFont typeface="Wingdings" panose="05000000000000000000" pitchFamily="2" charset="2"/>
-              <a:buChar char="§"/>
-            </a:pPr>
+              <a:t>Ripple</a:t>
+            </a:r>
             <a:r>
               <a:rPr lang="en-GB" sz="2400" dirty="0">
                 <a:solidFill>
@@ -7889,7 +8069,49 @@
                   </a:schemeClr>
                 </a:solidFill>
               </a:rPr>
-              <a:t>5 most popular – Bitcoin, Ethereum, LiteCoin, </a:t>
+              <a:t>, </a:t>
+            </a:r>
+            <a:r>
+              <a:rPr lang="en-GB" sz="2400" b="1" dirty="0">
+                <a:solidFill>
+                  <a:schemeClr val="accent1">
+                    <a:lumMod val="50000"/>
+                  </a:schemeClr>
+                </a:solidFill>
+              </a:rPr>
+              <a:t>Dash</a:t>
+            </a:r>
+          </a:p>
+          <a:p>
+            <a:pPr marL="457200" indent="-457200">
+              <a:buFont typeface="Wingdings" panose="05000000000000000000" pitchFamily="2" charset="2"/>
+              <a:buChar char="§"/>
+            </a:pPr>
+            <a:r>
+              <a:rPr lang="en-GB" sz="2800" b="1" dirty="0" smtClean="0">
+                <a:solidFill>
+                  <a:schemeClr val="accent1">
+                    <a:lumMod val="50000"/>
+                  </a:schemeClr>
+                </a:solidFill>
+              </a:rPr>
+              <a:t>Blockchain Introduction</a:t>
+            </a:r>
+          </a:p>
+          <a:p>
+            <a:pPr marL="914400" lvl="1" indent="-457200">
+              <a:buFont typeface="Wingdings" panose="05000000000000000000" pitchFamily="2" charset="2"/>
+              <a:buChar char="§"/>
+            </a:pPr>
+            <a:r>
+              <a:rPr lang="en-GB" sz="2400" b="1" dirty="0" smtClean="0">
+                <a:solidFill>
+                  <a:schemeClr val="accent1">
+                    <a:lumMod val="50000"/>
+                  </a:schemeClr>
+                </a:solidFill>
+              </a:rPr>
+              <a:t>Decentralized</a:t>
             </a:r>
             <a:r>
               <a:rPr lang="en-GB" sz="2400" dirty="0" smtClean="0">
@@ -7899,40 +8121,18 @@
                   </a:schemeClr>
                 </a:solidFill>
               </a:rPr>
-              <a:t>             Ripple</a:t>
-            </a:r>
-            <a:r>
-              <a:rPr lang="en-GB" sz="2400" dirty="0">
+              <a:t> ledger, consisting of connected </a:t>
+            </a:r>
+            <a:r>
+              <a:rPr lang="en-GB" sz="2400" b="1" dirty="0" smtClean="0">
                 <a:solidFill>
                   <a:schemeClr val="accent1">
                     <a:lumMod val="50000"/>
                   </a:schemeClr>
                 </a:solidFill>
               </a:rPr>
-              <a:t>, Dash</a:t>
-            </a:r>
-          </a:p>
-          <a:p>
-            <a:pPr marL="457200" indent="-457200">
-              <a:buFont typeface="Wingdings" panose="05000000000000000000" pitchFamily="2" charset="2"/>
-              <a:buChar char="§"/>
-            </a:pPr>
-            <a:r>
-              <a:rPr lang="en-GB" sz="2800" dirty="0" smtClean="0">
-                <a:solidFill>
-                  <a:schemeClr val="accent1">
-                    <a:lumMod val="50000"/>
-                  </a:schemeClr>
-                </a:solidFill>
-              </a:rPr>
-              <a:t>Blockchain Introduction</a:t>
-            </a:r>
-          </a:p>
-          <a:p>
-            <a:pPr marL="914400" lvl="1" indent="-457200">
-              <a:buFont typeface="Wingdings" panose="05000000000000000000" pitchFamily="2" charset="2"/>
-              <a:buChar char="§"/>
-            </a:pPr>
+              <a:t>blocks</a:t>
+            </a:r>
             <a:r>
               <a:rPr lang="en-GB" sz="2400" dirty="0" smtClean="0">
                 <a:solidFill>
@@ -7941,37 +8141,18 @@
                   </a:schemeClr>
                 </a:solidFill>
               </a:rPr>
-              <a:t>Decentralized ledger, consisting of connected blocks holding transactions information, using cryptography</a:t>
-            </a:r>
-            <a:endParaRPr lang="en-GB" sz="2400" dirty="0" smtClean="0">
-              <a:solidFill>
-                <a:schemeClr val="accent1">
-                  <a:lumMod val="50000"/>
-                </a:schemeClr>
-              </a:solidFill>
-            </a:endParaRPr>
-          </a:p>
-          <a:p>
-            <a:pPr marL="457200" indent="-457200">
-              <a:buFont typeface="Wingdings" panose="05000000000000000000" pitchFamily="2" charset="2"/>
-              <a:buChar char="§"/>
-            </a:pPr>
-            <a:r>
-              <a:rPr lang="en-GB" sz="2800" dirty="0" smtClean="0">
+              <a:t> holding </a:t>
+            </a:r>
+            <a:r>
+              <a:rPr lang="en-GB" sz="2400" b="1" dirty="0" smtClean="0">
                 <a:solidFill>
                   <a:schemeClr val="accent1">
                     <a:lumMod val="50000"/>
                   </a:schemeClr>
                 </a:solidFill>
               </a:rPr>
-              <a:t>Benefits of Blockchain network</a:t>
-            </a:r>
-          </a:p>
-          <a:p>
-            <a:pPr marL="914400" lvl="1" indent="-457200">
-              <a:buFont typeface="Wingdings" panose="05000000000000000000" pitchFamily="2" charset="2"/>
-              <a:buChar char="§"/>
-            </a:pPr>
+              <a:t>transactions</a:t>
+            </a:r>
             <a:r>
               <a:rPr lang="en-GB" sz="2400" dirty="0" smtClean="0">
                 <a:solidFill>
@@ -7980,7 +8161,43 @@
                   </a:schemeClr>
                 </a:solidFill>
               </a:rPr>
-              <a:t>Decentralized</a:t>
+              <a:t> information, using </a:t>
+            </a:r>
+            <a:r>
+              <a:rPr lang="en-GB" sz="2400" b="1" dirty="0" smtClean="0">
+                <a:solidFill>
+                  <a:schemeClr val="accent1">
+                    <a:lumMod val="50000"/>
+                  </a:schemeClr>
+                </a:solidFill>
+              </a:rPr>
+              <a:t>cryptography</a:t>
+            </a:r>
+          </a:p>
+          <a:p>
+            <a:pPr marL="457200" indent="-457200">
+              <a:buFont typeface="Wingdings" panose="05000000000000000000" pitchFamily="2" charset="2"/>
+              <a:buChar char="§"/>
+            </a:pPr>
+            <a:r>
+              <a:rPr lang="en-GB" sz="2800" b="1" dirty="0" smtClean="0">
+                <a:solidFill>
+                  <a:schemeClr val="accent1">
+                    <a:lumMod val="50000"/>
+                  </a:schemeClr>
+                </a:solidFill>
+              </a:rPr>
+              <a:t>Benefits </a:t>
+            </a:r>
+            <a:r>
+              <a:rPr lang="en-GB" sz="2800" b="1" dirty="0" smtClean="0">
+                <a:solidFill>
+                  <a:schemeClr val="accent1">
+                    <a:lumMod val="50000"/>
+                  </a:schemeClr>
+                </a:solidFill>
+              </a:rPr>
+              <a:t>of Blockchain network</a:t>
             </a:r>
           </a:p>
           <a:p>
@@ -7989,7 +8206,23 @@
               <a:buChar char="§"/>
             </a:pPr>
             <a:r>
-              <a:rPr lang="en-GB" sz="2400" dirty="0" smtClean="0">
+              <a:rPr lang="en-GB" sz="2400" b="1" dirty="0" smtClean="0">
+                <a:solidFill>
+                  <a:schemeClr val="accent1">
+                    <a:lumMod val="50000"/>
+                  </a:schemeClr>
+                </a:solidFill>
+              </a:rPr>
+              <a:t>Decentralized</a:t>
+            </a:r>
+          </a:p>
+          <a:p>
+            <a:pPr marL="914400" lvl="1" indent="-457200">
+              <a:buFont typeface="Wingdings" panose="05000000000000000000" pitchFamily="2" charset="2"/>
+              <a:buChar char="§"/>
+            </a:pPr>
+            <a:r>
+              <a:rPr lang="en-GB" sz="2400" b="1" dirty="0" smtClean="0">
                 <a:solidFill>
                   <a:schemeClr val="accent1">
                     <a:lumMod val="50000"/>
@@ -8005,7 +8238,7 @@
               <a:buChar char="§"/>
             </a:pPr>
             <a:r>
-              <a:rPr lang="en-GB" sz="2400" dirty="0" smtClean="0">
+              <a:rPr lang="en-GB" sz="2400" b="1" dirty="0" smtClean="0">
                 <a:solidFill>
                   <a:schemeClr val="accent1">
                     <a:lumMod val="50000"/>
@@ -8014,13 +8247,6 @@
               </a:rPr>
               <a:t>Hard to hack</a:t>
             </a:r>
-            <a:endParaRPr lang="en-GB" sz="2400" dirty="0" smtClean="0">
-              <a:solidFill>
-                <a:schemeClr val="accent1">
-                  <a:lumMod val="50000"/>
-                </a:schemeClr>
-              </a:solidFill>
-            </a:endParaRPr>
           </a:p>
           <a:p>
             <a:pPr marL="285750" indent="-285750">
@@ -9369,7 +9595,7 @@
               <a:buChar char="§"/>
             </a:pPr>
             <a:r>
-              <a:rPr lang="en-GB" sz="2800" dirty="0" smtClean="0">
+              <a:rPr lang="en-GB" sz="2800" b="1" dirty="0" smtClean="0">
                 <a:solidFill>
                   <a:schemeClr val="accent1">
                     <a:lumMod val="50000"/>
@@ -9379,7 +9605,7 @@
               <a:t>Digital </a:t>
             </a:r>
             <a:r>
-              <a:rPr lang="en-GB" sz="2800" dirty="0">
+              <a:rPr lang="en-GB" sz="2800" b="1" dirty="0">
                 <a:solidFill>
                   <a:schemeClr val="accent1">
                     <a:lumMod val="50000"/>
@@ -9388,7 +9614,7 @@
               </a:rPr>
               <a:t>currency </a:t>
             </a:r>
-            <a:endParaRPr lang="en-GB" sz="2800" dirty="0" smtClean="0">
+            <a:endParaRPr lang="en-GB" sz="2800" b="1" dirty="0" smtClean="0">
               <a:solidFill>
                 <a:schemeClr val="accent1">
                   <a:lumMod val="50000"/>
@@ -9419,8 +9645,34 @@
                   </a:schemeClr>
                 </a:solidFill>
               </a:rPr>
-              <a:t>with cryptographic </a:t>
-            </a:r>
+              <a:t>with </a:t>
+            </a:r>
+            <a:r>
+              <a:rPr lang="en-GB" sz="2800" b="1" dirty="0">
+                <a:solidFill>
+                  <a:schemeClr val="accent1">
+                    <a:lumMod val="50000"/>
+                  </a:schemeClr>
+                </a:solidFill>
+              </a:rPr>
+              <a:t>cryptographic </a:t>
+            </a:r>
+            <a:r>
+              <a:rPr lang="en-GB" sz="2800" b="1" dirty="0" smtClean="0">
+                <a:solidFill>
+                  <a:schemeClr val="accent1">
+                    <a:lumMod val="50000"/>
+                  </a:schemeClr>
+                </a:solidFill>
+              </a:rPr>
+              <a:t>protocols</a:t>
+            </a:r>
+          </a:p>
+          <a:p>
+            <a:pPr marL="914400" lvl="1" indent="-457200">
+              <a:buFont typeface="Wingdings" panose="05000000000000000000" pitchFamily="2" charset="2"/>
+              <a:buChar char="§"/>
+            </a:pPr>
             <a:r>
               <a:rPr lang="en-GB" sz="2800" dirty="0" smtClean="0">
                 <a:solidFill>
@@ -9429,23 +9681,17 @@
                   </a:schemeClr>
                 </a:solidFill>
               </a:rPr>
-              <a:t>protocols</a:t>
-            </a:r>
-          </a:p>
-          <a:p>
-            <a:pPr marL="914400" lvl="1" indent="-457200">
-              <a:buFont typeface="Wingdings" panose="05000000000000000000" pitchFamily="2" charset="2"/>
-              <a:buChar char="§"/>
-            </a:pPr>
-            <a:r>
-              <a:rPr lang="en-GB" sz="2800" dirty="0" smtClean="0">
+              <a:t>Cryptography provides a way to </a:t>
+            </a:r>
+            <a:r>
+              <a:rPr lang="en-GB" sz="2800" b="1" dirty="0" smtClean="0">
                 <a:solidFill>
                   <a:schemeClr val="accent1">
                     <a:lumMod val="50000"/>
                   </a:schemeClr>
                 </a:solidFill>
               </a:rPr>
-              <a:t>Cryptography provides a way to hide information</a:t>
+              <a:t>hide information</a:t>
             </a:r>
           </a:p>
           <a:p>
@@ -9471,10 +9717,40 @@
                   </a:schemeClr>
                 </a:solidFill>
               </a:rPr>
-              <a:t>transactions secure and difficult to </a:t>
-            </a:r>
-            <a:r>
-              <a:rPr lang="en-GB" sz="2800" dirty="0" smtClean="0">
+              <a:t>transactions </a:t>
+            </a:r>
+            <a:r>
+              <a:rPr lang="en-GB" sz="2800" b="1" dirty="0">
+                <a:solidFill>
+                  <a:schemeClr val="accent1">
+                    <a:lumMod val="50000"/>
+                  </a:schemeClr>
+                </a:solidFill>
+              </a:rPr>
+              <a:t>secure</a:t>
+            </a:r>
+            <a:r>
+              <a:rPr lang="en-GB" sz="2800" dirty="0">
+                <a:solidFill>
+                  <a:schemeClr val="accent1">
+                    <a:lumMod val="50000"/>
+                  </a:schemeClr>
+                </a:solidFill>
+              </a:rPr>
+              <a:t> and </a:t>
+            </a:r>
+            <a:r>
+              <a:rPr lang="en-GB" sz="2800" b="1" dirty="0">
+                <a:solidFill>
+                  <a:schemeClr val="accent1">
+                    <a:lumMod val="50000"/>
+                  </a:schemeClr>
+                </a:solidFill>
+              </a:rPr>
+              <a:t>difficult to </a:t>
+            </a:r>
+            <a:r>
+              <a:rPr lang="en-GB" sz="2800" b="1" dirty="0" smtClean="0">
                 <a:solidFill>
                   <a:schemeClr val="accent1">
                     <a:lumMod val="50000"/>
@@ -9490,7 +9766,7 @@
               <a:buChar char="§"/>
             </a:pPr>
             <a:r>
-              <a:rPr lang="en-GB" sz="2800" dirty="0" smtClean="0">
+              <a:rPr lang="en-GB" sz="2800" b="1" dirty="0" smtClean="0">
                 <a:solidFill>
                   <a:schemeClr val="accent1">
                     <a:lumMod val="50000"/>
@@ -9507,7 +9783,17 @@
                   </a:schemeClr>
                 </a:solidFill>
               </a:rPr>
-              <a:t>by any central authority</a:t>
+              <a:t>by any </a:t>
+            </a:r>
+            <a:r>
+              <a:rPr lang="en-GB" sz="2800" b="1" dirty="0">
+                <a:solidFill>
+                  <a:schemeClr val="accent1">
+                    <a:lumMod val="50000"/>
+                  </a:schemeClr>
+                </a:solidFill>
+              </a:rPr>
+              <a:t>central authority</a:t>
             </a:r>
           </a:p>
         </p:txBody>
@@ -10067,8 +10353,45 @@
                   </a:schemeClr>
                 </a:solidFill>
               </a:rPr>
-              <a:t>where you securely store your Blockchain</a:t>
-            </a:r>
+              <a:t>where you securely </a:t>
+            </a:r>
+            <a:r>
+              <a:rPr lang="en-GB" b="1" dirty="0">
+                <a:solidFill>
+                  <a:schemeClr val="accent1">
+                    <a:lumMod val="50000"/>
+                  </a:schemeClr>
+                </a:solidFill>
+              </a:rPr>
+              <a:t>store</a:t>
+            </a:r>
+            <a:r>
+              <a:rPr lang="en-GB" dirty="0">
+                <a:solidFill>
+                  <a:schemeClr val="accent1">
+                    <a:lumMod val="50000"/>
+                  </a:schemeClr>
+                </a:solidFill>
+              </a:rPr>
+              <a:t> your </a:t>
+            </a:r>
+            <a:r>
+              <a:rPr lang="en-GB" dirty="0" smtClean="0">
+                <a:solidFill>
+                  <a:schemeClr val="accent1">
+                    <a:lumMod val="50000"/>
+                  </a:schemeClr>
+                </a:solidFill>
+              </a:rPr>
+              <a:t>Blockchain cryptocurrencies</a:t>
+            </a:r>
+            <a:endParaRPr lang="en-GB" dirty="0">
+              <a:solidFill>
+                <a:schemeClr val="accent1">
+                  <a:lumMod val="50000"/>
+                </a:schemeClr>
+              </a:solidFill>
+            </a:endParaRPr>
           </a:p>
         </p:txBody>
       </p:sp>
